--- a/assembly-programming/slide_presentations/.hidden/intro_control_flow.pptx
+++ b/assembly-programming/slide_presentations/.hidden/intro_control_flow.pptx
@@ -6356,7 +6356,7 @@
         <p:spPr>
           <a:xfrm>
             <a:off x="718191" y="1076275"/>
-            <a:ext cx="1972073" cy="1107965"/>
+            <a:ext cx="1972073" cy="1292631"/>
           </a:xfrm>
           <a:prstGeom prst="rect">
             <a:avLst/>
@@ -6388,6 +6388,31 @@
               <a:buNone/>
             </a:pPr>
             <a:r>
+              <a:rPr lang="en-US" sz="1200" dirty="0">
+                <a:latin typeface="Source Code Pro" panose="020B0509030403020204" pitchFamily="49" charset="0"/>
+                <a:ea typeface="Source Code Pro" panose="020B0509030403020204" pitchFamily="49" charset="0"/>
+              </a:rPr>
+              <a:t>X</a:t>
+            </a:r>
+            <a:r>
+              <a:rPr lang="en" sz="1200" dirty="0">
+                <a:latin typeface="Source Code Pro" panose="020B0509030403020204" pitchFamily="49" charset="0"/>
+                <a:ea typeface="Source Code Pro" panose="020B0509030403020204" pitchFamily="49" charset="0"/>
+              </a:rPr>
+              <a:t>= 1;</a:t>
+            </a:r>
+          </a:p>
+          <a:p>
+            <a:pPr marL="0" lvl="0" indent="0" algn="l" rtl="0">
+              <a:spcBef>
+                <a:spcPts val="0"/>
+              </a:spcBef>
+              <a:spcAft>
+                <a:spcPts val="0"/>
+              </a:spcAft>
+              <a:buNone/>
+            </a:pPr>
+            <a:r>
               <a:rPr lang="en" sz="1200" dirty="0">
                 <a:latin typeface="Source Code Pro" panose="020B0509030403020204" pitchFamily="49" charset="0"/>
                 <a:ea typeface="Source Code Pro" panose="020B0509030403020204" pitchFamily="49" charset="0"/>
@@ -6481,8 +6506,8 @@
         </p:nvSpPr>
         <p:spPr>
           <a:xfrm>
-            <a:off x="4757932" y="51840"/>
-            <a:ext cx="1725164" cy="1107965"/>
+            <a:off x="4740002" y="51840"/>
+            <a:ext cx="1875950" cy="1292631"/>
           </a:xfrm>
           <a:prstGeom prst="rect">
             <a:avLst/>
@@ -6514,11 +6539,36 @@
               <a:buNone/>
             </a:pPr>
             <a:r>
+              <a:rPr lang="en-US" sz="1200" dirty="0">
+                <a:latin typeface="Source Code Pro" panose="020B0509030403020204" pitchFamily="49" charset="0"/>
+                <a:ea typeface="Source Code Pro" panose="020B0509030403020204" pitchFamily="49" charset="0"/>
+              </a:rPr>
+              <a:t>x</a:t>
+            </a:r>
+            <a:r>
               <a:rPr lang="en" sz="1200" dirty="0">
                 <a:latin typeface="Source Code Pro" panose="020B0509030403020204" pitchFamily="49" charset="0"/>
                 <a:ea typeface="Source Code Pro" panose="020B0509030403020204" pitchFamily="49" charset="0"/>
               </a:rPr>
-              <a:t>until ( x&gt;= 10 {</a:t>
+              <a:t> = 1;</a:t>
+            </a:r>
+          </a:p>
+          <a:p>
+            <a:pPr marL="0" lvl="0" indent="0" algn="l" rtl="0">
+              <a:spcBef>
+                <a:spcPts val="0"/>
+              </a:spcBef>
+              <a:spcAft>
+                <a:spcPts val="0"/>
+              </a:spcAft>
+              <a:buNone/>
+            </a:pPr>
+            <a:r>
+              <a:rPr lang="en" sz="1200" dirty="0">
+                <a:latin typeface="Source Code Pro" panose="020B0509030403020204" pitchFamily="49" charset="0"/>
+                <a:ea typeface="Source Code Pro" panose="020B0509030403020204" pitchFamily="49" charset="0"/>
+              </a:rPr>
+              <a:t>until ( x&gt;= 10 ) {</a:t>
             </a:r>
             <a:br>
               <a:rPr lang="en" sz="1200" dirty="0">
@@ -6638,6 +6688,26 @@
               <a:buNone/>
             </a:pPr>
             <a:r>
+              <a:rPr lang="en-US" sz="1200" dirty="0">
+                <a:latin typeface="Source Code Pro" panose="020B0509030403020204" pitchFamily="49" charset="0"/>
+                <a:ea typeface="Source Code Pro" panose="020B0509030403020204" pitchFamily="49" charset="0"/>
+              </a:rPr>
+              <a:t>X</a:t>
+            </a:r>
+            <a:r>
+              <a:rPr lang="en" sz="1200" dirty="0">
+                <a:latin typeface="Source Code Pro" panose="020B0509030403020204" pitchFamily="49" charset="0"/>
+                <a:ea typeface="Source Code Pro" panose="020B0509030403020204" pitchFamily="49" charset="0"/>
+              </a:rPr>
+              <a:t> = 1; </a:t>
+            </a:r>
+            <a:br>
+              <a:rPr lang="en" sz="1200" dirty="0">
+                <a:latin typeface="Source Code Pro" panose="020B0509030403020204" pitchFamily="49" charset="0"/>
+                <a:ea typeface="Source Code Pro" panose="020B0509030403020204" pitchFamily="49" charset="0"/>
+              </a:rPr>
+            </a:br>
+            <a:r>
               <a:rPr lang="en" sz="1200" dirty="0">
                 <a:latin typeface="Source Code Pro" panose="020B0509030403020204" pitchFamily="49" charset="0"/>
                 <a:ea typeface="Source Code Pro" panose="020B0509030403020204" pitchFamily="49" charset="0"/>
@@ -6666,21 +6736,6 @@
               </a:rPr>
               <a:t>    a = x * 2;</a:t>
             </a:r>
-            <a:endParaRPr sz="1200" dirty="0">
-              <a:latin typeface="Source Code Pro" panose="020B0509030403020204" pitchFamily="49" charset="0"/>
-              <a:ea typeface="Source Code Pro" panose="020B0509030403020204" pitchFamily="49" charset="0"/>
-            </a:endParaRPr>
-          </a:p>
-          <a:p>
-            <a:pPr marL="0" lvl="0" indent="0" algn="l" rtl="0">
-              <a:spcBef>
-                <a:spcPts val="0"/>
-              </a:spcBef>
-              <a:spcAft>
-                <a:spcPts val="0"/>
-              </a:spcAft>
-              <a:buNone/>
-            </a:pPr>
             <a:endParaRPr sz="1200" dirty="0">
               <a:latin typeface="Source Code Pro" panose="020B0509030403020204" pitchFamily="49" charset="0"/>
               <a:ea typeface="Source Code Pro" panose="020B0509030403020204" pitchFamily="49" charset="0"/>
@@ -6841,7 +6896,7 @@
                 <a:latin typeface="Source Code Pro" panose="020B0509030403020204" pitchFamily="49" charset="0"/>
                 <a:ea typeface="Source Code Pro" panose="020B0509030403020204" pitchFamily="49" charset="0"/>
               </a:rPr>
-              <a:t>   a = x * 2</a:t>
+              <a:t>   a = x * 2;</a:t>
             </a:r>
             <a:endParaRPr sz="1200" dirty="0">
               <a:latin typeface="Source Code Pro" panose="020B0509030403020204" pitchFamily="49" charset="0"/>
@@ -6975,10 +7030,10 @@
               <a:buChar char="●"/>
             </a:pPr>
             <a:r>
-              <a:rPr lang="en"/>
+              <a:rPr lang="en" dirty="0"/>
               <a:t>Stack is an abstract data structure</a:t>
             </a:r>
-            <a:endParaRPr/>
+            <a:endParaRPr dirty="0"/>
           </a:p>
           <a:p>
             <a:pPr marL="457200" lvl="0" indent="-342900" algn="l" rtl="0">
@@ -6992,18 +7047,18 @@
               <a:buChar char="●"/>
             </a:pPr>
             <a:r>
-              <a:rPr lang="en"/>
+              <a:rPr lang="en" dirty="0"/>
               <a:t>The stack is an array of </a:t>
             </a:r>
             <a:r>
-              <a:rPr lang="en" u="sng"/>
+              <a:rPr lang="en" u="sng" dirty="0"/>
               <a:t>words</a:t>
             </a:r>
             <a:r>
-              <a:rPr lang="en"/>
+              <a:rPr lang="en" dirty="0"/>
               <a:t> </a:t>
             </a:r>
-            <a:endParaRPr/>
+            <a:endParaRPr dirty="0"/>
           </a:p>
           <a:p>
             <a:pPr marL="457200" lvl="0" indent="-342900" algn="l" rtl="0">
@@ -7017,10 +7072,10 @@
               <a:buChar char="●"/>
             </a:pPr>
             <a:r>
-              <a:rPr lang="en"/>
+              <a:rPr lang="en" dirty="0"/>
               <a:t>Operations:</a:t>
             </a:r>
-            <a:endParaRPr/>
+            <a:endParaRPr dirty="0"/>
           </a:p>
           <a:p>
             <a:pPr marL="914400" lvl="1" indent="-317500" algn="l" rtl="0">
@@ -7034,10 +7089,10 @@
               <a:buChar char="○"/>
             </a:pPr>
             <a:r>
-              <a:rPr lang="en"/>
+              <a:rPr lang="en" dirty="0"/>
               <a:t>Push:   Push(A), Push(B), Push(C)</a:t>
             </a:r>
-            <a:endParaRPr/>
+            <a:endParaRPr dirty="0"/>
           </a:p>
           <a:p>
             <a:pPr marL="914400" lvl="1" indent="-317500" algn="l" rtl="0">
@@ -7051,10 +7106,10 @@
               <a:buChar char="○"/>
             </a:pPr>
             <a:r>
-              <a:rPr lang="en"/>
+              <a:rPr lang="en" dirty="0"/>
               <a:t>Pop:     X = Pop();</a:t>
             </a:r>
-            <a:endParaRPr/>
+            <a:endParaRPr dirty="0"/>
           </a:p>
           <a:p>
             <a:pPr marL="914400" lvl="1" indent="-317500" algn="l" rtl="0">
@@ -7068,10 +7123,10 @@
               <a:buChar char="○"/>
             </a:pPr>
             <a:r>
-              <a:rPr lang="en"/>
+              <a:rPr lang="en" dirty="0"/>
               <a:t>Push:   Push(Z);</a:t>
             </a:r>
-            <a:endParaRPr/>
+            <a:endParaRPr dirty="0"/>
           </a:p>
         </p:txBody>
       </p:sp>
@@ -8296,7 +8351,7 @@
         <p:spPr>
           <a:xfrm>
             <a:off x="4695825" y="464075"/>
-            <a:ext cx="2055350" cy="785100"/>
+            <a:ext cx="2055350" cy="784800"/>
           </a:xfrm>
           <a:prstGeom prst="rect">
             <a:avLst/>
@@ -8336,7 +8391,7 @@
             </a:br>
             <a:r>
               <a:rPr lang="en" sz="1300" dirty="0"/>
-              <a:t>	</a:t>
+              <a:t>    </a:t>
             </a:r>
             <a:r>
               <a:rPr lang="en" sz="1300" dirty="0" err="1"/>
@@ -8354,23 +8409,13 @@
               <a:rPr lang="en" sz="1300" dirty="0"/>
               <a:t> + 1 </a:t>
             </a:r>
-            <a:endParaRPr sz="1300" dirty="0"/>
-          </a:p>
-          <a:p>
-            <a:pPr marL="0" lvl="0" indent="457200" algn="l" rtl="0">
-              <a:spcBef>
-                <a:spcPts val="0"/>
-              </a:spcBef>
-              <a:spcAft>
-                <a:spcPts val="0"/>
-              </a:spcAft>
-              <a:buClr>
-                <a:schemeClr val="dk1"/>
-              </a:buClr>
-              <a:buSzPts val="1100"/>
-              <a:buFont typeface="Arial"/>
-              <a:buNone/>
-            </a:pPr>
+            <a:br>
+              <a:rPr lang="en" sz="1300" dirty="0"/>
+            </a:br>
+            <a:r>
+              <a:rPr lang="en" sz="1300" dirty="0"/>
+              <a:t>    </a:t>
+            </a:r>
             <a:r>
               <a:rPr lang="en" sz="1300" dirty="0" err="1">
                 <a:solidFill>
@@ -8432,10 +8477,10 @@
               <a:buNone/>
             </a:pPr>
             <a:r>
-              <a:rPr lang="en" sz="1300"/>
+              <a:rPr lang="en" sz="1300" dirty="0"/>
               <a:t>x = Pop() ⇔ </a:t>
             </a:r>
-            <a:endParaRPr sz="1300"/>
+            <a:endParaRPr sz="1300" dirty="0"/>
           </a:p>
           <a:p>
             <a:pPr marL="0" lvl="0" indent="0" algn="l" rtl="0">
@@ -8448,17 +8493,41 @@
               <a:buNone/>
             </a:pPr>
             <a:r>
-              <a:rPr lang="en" sz="1300"/>
-              <a:t>	x = sp[0]</a:t>
+              <a:rPr lang="en" sz="1300" dirty="0"/>
+              <a:t>        x = </a:t>
+            </a:r>
+            <a:r>
+              <a:rPr lang="en" sz="1300" dirty="0" err="1"/>
+              <a:t>sp</a:t>
+            </a:r>
+            <a:r>
+              <a:rPr lang="en" sz="1300" dirty="0"/>
+              <a:t>[0]</a:t>
             </a:r>
             <a:br>
-              <a:rPr lang="en" sz="1300"/>
+              <a:rPr lang="en" sz="1300" dirty="0"/>
             </a:br>
             <a:r>
-              <a:rPr lang="en" sz="1300"/>
-              <a:t>	sp = sp - 1</a:t>
-            </a:r>
-            <a:endParaRPr sz="1300"/>
+              <a:rPr lang="en" sz="1300" dirty="0"/>
+              <a:t>        </a:t>
+            </a:r>
+            <a:r>
+              <a:rPr lang="en" sz="1300" dirty="0" err="1"/>
+              <a:t>sp</a:t>
+            </a:r>
+            <a:r>
+              <a:rPr lang="en" sz="1300" dirty="0"/>
+              <a:t> = </a:t>
+            </a:r>
+            <a:r>
+              <a:rPr lang="en" sz="1300" dirty="0" err="1"/>
+              <a:t>sp</a:t>
+            </a:r>
+            <a:r>
+              <a:rPr lang="en" sz="1300" dirty="0"/>
+              <a:t> - 1</a:t>
+            </a:r>
+            <a:endParaRPr sz="1300" dirty="0"/>
           </a:p>
         </p:txBody>
       </p:sp>
@@ -13269,7 +13338,7 @@
         <p:spPr/>
         <p:txBody>
           <a:bodyPr>
-            <a:normAutofit fontScale="92500" lnSpcReduction="10000"/>
+            <a:normAutofit fontScale="92500" lnSpcReduction="20000"/>
           </a:bodyPr>
           <a:lstStyle/>
           <a:p>
@@ -13368,6 +13437,23 @@
                 <a:ea typeface="Source Code Pro" panose="020B0509030403020204" pitchFamily="49" charset="0"/>
               </a:rPr>
               <a:t>("the value of x is %d", x);</a:t>
+            </a:r>
+          </a:p>
+          <a:p>
+            <a:pPr lvl="1"/>
+            <a:r>
+              <a:rPr lang="en-US" dirty="0" err="1">
+                <a:latin typeface="Source Code Pro" panose="020B0509030403020204" pitchFamily="49" charset="0"/>
+                <a:ea typeface="Source Code Pro" panose="020B0509030403020204" pitchFamily="49" charset="0"/>
+              </a:rPr>
+              <a:t>printf</a:t>
+            </a:r>
+            <a:r>
+              <a:rPr lang="en-US" dirty="0">
+                <a:latin typeface="Source Code Pro" panose="020B0509030403020204" pitchFamily="49" charset="0"/>
+                <a:ea typeface="Source Code Pro" panose="020B0509030403020204" pitchFamily="49" charset="0"/>
+              </a:rPr>
+              <a:t>("x=%d, y=%d, z=%d\n", x, y, z);</a:t>
             </a:r>
           </a:p>
           <a:p>
@@ -13802,6 +13888,20 @@
                 <a:ea typeface="Source Code Pro" panose="020B0509030403020204" pitchFamily="49" charset="0"/>
               </a:rPr>
               <a:t>print_u</a:t>
+            </a:r>
+            <a:r>
+              <a:rPr lang="en-US" sz="1200" dirty="0">
+                <a:latin typeface="Source Code Pro" panose="020B0509030403020204" pitchFamily="49" charset="0"/>
+                <a:ea typeface="Source Code Pro" panose="020B0509030403020204" pitchFamily="49" charset="0"/>
+              </a:rPr>
+              <a:t>, </a:t>
+            </a:r>
+            <a:r>
+              <a:rPr lang="en-US" sz="1200" dirty="0" err="1">
+                <a:latin typeface="Source Code Pro" panose="020B0509030403020204" pitchFamily="49" charset="0"/>
+                <a:ea typeface="Source Code Pro" panose="020B0509030403020204" pitchFamily="49" charset="0"/>
+              </a:rPr>
+              <a:t>print_di</a:t>
             </a:r>
             <a:endParaRPr lang="en-US" sz="1200" dirty="0">
               <a:latin typeface="Source Code Pro" panose="020B0509030403020204" pitchFamily="49" charset="0"/>
@@ -15989,7 +16089,7 @@
         </p:nvSpPr>
         <p:spPr>
           <a:xfrm>
-            <a:off x="7338353" y="2305977"/>
+            <a:off x="4799226" y="-183460"/>
             <a:ext cx="1248900" cy="914835"/>
           </a:xfrm>
           <a:prstGeom prst="roundRect">
@@ -16037,7 +16137,7 @@
         </p:nvSpPr>
         <p:spPr>
           <a:xfrm>
-            <a:off x="7290126" y="3415580"/>
+            <a:off x="5709566" y="5074051"/>
             <a:ext cx="1248900" cy="470400"/>
           </a:xfrm>
           <a:prstGeom prst="roundRect">
@@ -16085,7 +16185,7 @@
         </p:nvSpPr>
         <p:spPr>
           <a:xfrm>
-            <a:off x="7296763" y="4016488"/>
+            <a:off x="7338353" y="4557321"/>
             <a:ext cx="1248900" cy="470400"/>
           </a:xfrm>
           <a:prstGeom prst="roundRect">
@@ -16121,7 +16221,7 @@
               </a:spcAft>
               <a:buNone/>
             </a:pPr>
-            <a:endParaRPr/>
+            <a:endParaRPr dirty="0"/>
           </a:p>
         </p:txBody>
       </p:sp>
@@ -16133,7 +16233,7 @@
         </p:nvSpPr>
         <p:spPr>
           <a:xfrm>
-            <a:off x="7290469" y="1103049"/>
+            <a:off x="6713903" y="301217"/>
             <a:ext cx="1248900" cy="470400"/>
           </a:xfrm>
           <a:prstGeom prst="roundRect">
@@ -16181,7 +16281,7 @@
         </p:nvSpPr>
         <p:spPr>
           <a:xfrm>
-            <a:off x="896242" y="1379984"/>
+            <a:off x="1030031" y="809925"/>
             <a:ext cx="761699" cy="207800"/>
           </a:xfrm>
           <a:prstGeom prst="rect">
@@ -16217,7 +16317,7 @@
               </a:spcAft>
               <a:buNone/>
             </a:pPr>
-            <a:endParaRPr/>
+            <a:endParaRPr dirty="0"/>
           </a:p>
         </p:txBody>
       </p:sp>
@@ -16229,7 +16329,7 @@
         </p:nvSpPr>
         <p:spPr>
           <a:xfrm>
-            <a:off x="649181" y="1639002"/>
+            <a:off x="-532655" y="290630"/>
             <a:ext cx="761700" cy="704322"/>
           </a:xfrm>
           <a:prstGeom prst="rect">
@@ -16730,7 +16830,7 @@
         </p:nvSpPr>
         <p:spPr>
           <a:xfrm>
-            <a:off x="649181" y="2559816"/>
+            <a:off x="0" y="3638660"/>
             <a:ext cx="761700" cy="291685"/>
           </a:xfrm>
           <a:prstGeom prst="rect">
@@ -16766,7 +16866,7 @@
               </a:spcAft>
               <a:buNone/>
             </a:pPr>
-            <a:endParaRPr/>
+            <a:endParaRPr dirty="0"/>
           </a:p>
         </p:txBody>
       </p:sp>
